--- a/docs/manuscript/figs/fig4.pptx
+++ b/docs/manuscript/figs/fig4.pptx
@@ -197,7 +197,7 @@
           <a:p>
             <a:fld id="{D39C1AE3-E0D3-419F-B410-9FEFA2C17F52}" type="datetimeFigureOut">
               <a:rPr lang="en-GB" smtClean="0"/>
-              <a:t>30/11/2019</a:t>
+              <a:t>31/12/2019</a:t>
             </a:fld>
             <a:endParaRPr lang="en-GB"/>
           </a:p>
@@ -685,7 +685,7 @@
           <a:p>
             <a:fld id="{A77454BF-4A59-44AE-B66D-7E6B93D39995}" type="datetimeFigureOut">
               <a:rPr lang="en-GB" smtClean="0"/>
-              <a:t>30/11/2019</a:t>
+              <a:t>31/12/2019</a:t>
             </a:fld>
             <a:endParaRPr lang="en-GB"/>
           </a:p>
@@ -855,7 +855,7 @@
           <a:p>
             <a:fld id="{A77454BF-4A59-44AE-B66D-7E6B93D39995}" type="datetimeFigureOut">
               <a:rPr lang="en-GB" smtClean="0"/>
-              <a:t>30/11/2019</a:t>
+              <a:t>31/12/2019</a:t>
             </a:fld>
             <a:endParaRPr lang="en-GB"/>
           </a:p>
@@ -1035,7 +1035,7 @@
           <a:p>
             <a:fld id="{A77454BF-4A59-44AE-B66D-7E6B93D39995}" type="datetimeFigureOut">
               <a:rPr lang="en-GB" smtClean="0"/>
-              <a:t>30/11/2019</a:t>
+              <a:t>31/12/2019</a:t>
             </a:fld>
             <a:endParaRPr lang="en-GB"/>
           </a:p>
@@ -1205,7 +1205,7 @@
           <a:p>
             <a:fld id="{A77454BF-4A59-44AE-B66D-7E6B93D39995}" type="datetimeFigureOut">
               <a:rPr lang="en-GB" smtClean="0"/>
-              <a:t>30/11/2019</a:t>
+              <a:t>31/12/2019</a:t>
             </a:fld>
             <a:endParaRPr lang="en-GB"/>
           </a:p>
@@ -1449,7 +1449,7 @@
           <a:p>
             <a:fld id="{A77454BF-4A59-44AE-B66D-7E6B93D39995}" type="datetimeFigureOut">
               <a:rPr lang="en-GB" smtClean="0"/>
-              <a:t>30/11/2019</a:t>
+              <a:t>31/12/2019</a:t>
             </a:fld>
             <a:endParaRPr lang="en-GB"/>
           </a:p>
@@ -1681,7 +1681,7 @@
           <a:p>
             <a:fld id="{A77454BF-4A59-44AE-B66D-7E6B93D39995}" type="datetimeFigureOut">
               <a:rPr lang="en-GB" smtClean="0"/>
-              <a:t>30/11/2019</a:t>
+              <a:t>31/12/2019</a:t>
             </a:fld>
             <a:endParaRPr lang="en-GB"/>
           </a:p>
@@ -2048,7 +2048,7 @@
           <a:p>
             <a:fld id="{A77454BF-4A59-44AE-B66D-7E6B93D39995}" type="datetimeFigureOut">
               <a:rPr lang="en-GB" smtClean="0"/>
-              <a:t>30/11/2019</a:t>
+              <a:t>31/12/2019</a:t>
             </a:fld>
             <a:endParaRPr lang="en-GB"/>
           </a:p>
@@ -2166,7 +2166,7 @@
           <a:p>
             <a:fld id="{A77454BF-4A59-44AE-B66D-7E6B93D39995}" type="datetimeFigureOut">
               <a:rPr lang="en-GB" smtClean="0"/>
-              <a:t>30/11/2019</a:t>
+              <a:t>31/12/2019</a:t>
             </a:fld>
             <a:endParaRPr lang="en-GB"/>
           </a:p>
@@ -2261,7 +2261,7 @@
           <a:p>
             <a:fld id="{A77454BF-4A59-44AE-B66D-7E6B93D39995}" type="datetimeFigureOut">
               <a:rPr lang="en-GB" smtClean="0"/>
-              <a:t>30/11/2019</a:t>
+              <a:t>31/12/2019</a:t>
             </a:fld>
             <a:endParaRPr lang="en-GB"/>
           </a:p>
@@ -2538,7 +2538,7 @@
           <a:p>
             <a:fld id="{A77454BF-4A59-44AE-B66D-7E6B93D39995}" type="datetimeFigureOut">
               <a:rPr lang="en-GB" smtClean="0"/>
-              <a:t>30/11/2019</a:t>
+              <a:t>31/12/2019</a:t>
             </a:fld>
             <a:endParaRPr lang="en-GB"/>
           </a:p>
@@ -2795,7 +2795,7 @@
           <a:p>
             <a:fld id="{A77454BF-4A59-44AE-B66D-7E6B93D39995}" type="datetimeFigureOut">
               <a:rPr lang="en-GB" smtClean="0"/>
-              <a:t>30/11/2019</a:t>
+              <a:t>31/12/2019</a:t>
             </a:fld>
             <a:endParaRPr lang="en-GB"/>
           </a:p>
@@ -3008,7 +3008,7 @@
           <a:p>
             <a:fld id="{A77454BF-4A59-44AE-B66D-7E6B93D39995}" type="datetimeFigureOut">
               <a:rPr lang="en-GB" smtClean="0"/>
-              <a:t>30/11/2019</a:t>
+              <a:t>31/12/2019</a:t>
             </a:fld>
             <a:endParaRPr lang="en-GB"/>
           </a:p>
@@ -3415,47 +3415,6 @@
       </p:grpSpPr>
       <p:pic>
         <p:nvPicPr>
-          <p:cNvPr id="8" name="Picture 7">
-            <a:extLst>
-              <a:ext uri="{FF2B5EF4-FFF2-40B4-BE49-F238E27FC236}">
-                <a16:creationId xmlns:a16="http://schemas.microsoft.com/office/drawing/2014/main" id="{4015D7DD-49BD-4BB5-BC19-69BB744DB2C9}"/>
-              </a:ext>
-            </a:extLst>
-          </p:cNvPr>
-          <p:cNvPicPr>
-            <a:picLocks noChangeAspect="1"/>
-          </p:cNvPicPr>
-          <p:nvPr/>
-        </p:nvPicPr>
-        <p:blipFill>
-          <a:blip r:embed="rId3">
-            <a:clrChange>
-              <a:clrFrom>
-                <a:srgbClr val="FFFFFF"/>
-              </a:clrFrom>
-              <a:clrTo>
-                <a:srgbClr val="FFFFFF">
-                  <a:alpha val="0"/>
-                </a:srgbClr>
-              </a:clrTo>
-            </a:clrChange>
-          </a:blip>
-          <a:stretch>
-            <a:fillRect/>
-          </a:stretch>
-        </p:blipFill>
-        <p:spPr>
-          <a:xfrm>
-            <a:off x="8891237" y="971710"/>
-            <a:ext cx="7795272" cy="11152087"/>
-          </a:xfrm>
-          <a:prstGeom prst="rect">
-            <a:avLst/>
-          </a:prstGeom>
-        </p:spPr>
-      </p:pic>
-      <p:pic>
-        <p:nvPicPr>
           <p:cNvPr id="76" name="Picture 75" descr="A close up of a building&#10;&#10;Description automatically generated">
             <a:extLst>
               <a:ext uri="{FF2B5EF4-FFF2-40B4-BE49-F238E27FC236}">
@@ -3469,7 +3428,7 @@
           <p:nvPr/>
         </p:nvPicPr>
         <p:blipFill rotWithShape="1">
-          <a:blip r:embed="rId4">
+          <a:blip r:embed="rId3">
             <a:clrChange>
               <a:clrFrom>
                 <a:srgbClr val="FFF5F0"/>
@@ -3631,102 +3590,6 @@
             <a:endParaRPr lang="en-NL" sz="2800" dirty="0">
               <a:latin typeface="+mj-lt"/>
             </a:endParaRPr>
-          </a:p>
-        </p:txBody>
-      </p:sp>
-      <p:pic>
-        <p:nvPicPr>
-          <p:cNvPr id="81" name="Picture 80">
-            <a:extLst>
-              <a:ext uri="{FF2B5EF4-FFF2-40B4-BE49-F238E27FC236}">
-                <a16:creationId xmlns:a16="http://schemas.microsoft.com/office/drawing/2014/main" id="{997BAF56-433F-4AF0-8CFB-FDF5DEB5E0A9}"/>
-              </a:ext>
-            </a:extLst>
-          </p:cNvPr>
-          <p:cNvPicPr>
-            <a:picLocks noChangeAspect="1"/>
-          </p:cNvPicPr>
-          <p:nvPr/>
-        </p:nvPicPr>
-        <p:blipFill>
-          <a:blip r:embed="rId5">
-            <a:clrChange>
-              <a:clrFrom>
-                <a:srgbClr val="FFFFFF"/>
-              </a:clrFrom>
-              <a:clrTo>
-                <a:srgbClr val="FFFFFF">
-                  <a:alpha val="0"/>
-                </a:srgbClr>
-              </a:clrTo>
-            </a:clrChange>
-          </a:blip>
-          <a:stretch>
-            <a:fillRect/>
-          </a:stretch>
-        </p:blipFill>
-        <p:spPr>
-          <a:xfrm>
-            <a:off x="13498709" y="3798153"/>
-            <a:ext cx="3745980" cy="2144938"/>
-          </a:xfrm>
-          <a:prstGeom prst="rect">
-            <a:avLst/>
-          </a:prstGeom>
-        </p:spPr>
-      </p:pic>
-      <p:sp>
-        <p:nvSpPr>
-          <p:cNvPr id="82" name="Rectangle: Rounded Corners 81">
-            <a:extLst>
-              <a:ext uri="{FF2B5EF4-FFF2-40B4-BE49-F238E27FC236}">
-                <a16:creationId xmlns:a16="http://schemas.microsoft.com/office/drawing/2014/main" id="{657EBE41-5764-4F75-B8B0-F7FF10B9A045}"/>
-              </a:ext>
-            </a:extLst>
-          </p:cNvPr>
-          <p:cNvSpPr/>
-          <p:nvPr/>
-        </p:nvSpPr>
-        <p:spPr>
-          <a:xfrm>
-            <a:off x="8825818" y="621871"/>
-            <a:ext cx="8418871" cy="11314219"/>
-          </a:xfrm>
-          <a:prstGeom prst="roundRect">
-            <a:avLst>
-              <a:gd name="adj" fmla="val 5066"/>
-            </a:avLst>
-          </a:prstGeom>
-          <a:noFill/>
-          <a:ln w="6350">
-            <a:solidFill>
-              <a:schemeClr val="tx1"/>
-            </a:solidFill>
-            <a:prstDash val="solid"/>
-          </a:ln>
-        </p:spPr>
-        <p:style>
-          <a:lnRef idx="2">
-            <a:schemeClr val="accent1">
-              <a:shade val="50000"/>
-            </a:schemeClr>
-          </a:lnRef>
-          <a:fillRef idx="1">
-            <a:schemeClr val="accent1"/>
-          </a:fillRef>
-          <a:effectRef idx="0">
-            <a:schemeClr val="accent1"/>
-          </a:effectRef>
-          <a:fontRef idx="minor">
-            <a:schemeClr val="lt1"/>
-          </a:fontRef>
-        </p:style>
-        <p:txBody>
-          <a:bodyPr rtlCol="0" anchor="ctr"/>
-          <a:lstStyle/>
-          <a:p>
-            <a:pPr algn="ctr"/>
-            <a:endParaRPr lang="en-NL" dirty="0"/>
           </a:p>
         </p:txBody>
       </p:sp>
@@ -7474,6 +7337,182 @@
           </a:p>
         </p:txBody>
       </p:sp>
+      <p:pic>
+        <p:nvPicPr>
+          <p:cNvPr id="33" name="Picture 32">
+            <a:extLst>
+              <a:ext uri="{FF2B5EF4-FFF2-40B4-BE49-F238E27FC236}">
+                <a16:creationId xmlns:a16="http://schemas.microsoft.com/office/drawing/2014/main" id="{3D5FF2BE-9B00-4859-8B30-4D414697BB29}"/>
+              </a:ext>
+            </a:extLst>
+          </p:cNvPr>
+          <p:cNvPicPr>
+            <a:picLocks noChangeAspect="1"/>
+          </p:cNvPicPr>
+          <p:nvPr/>
+        </p:nvPicPr>
+        <p:blipFill rotWithShape="1">
+          <a:blip r:embed="rId4"/>
+          <a:srcRect l="69792" t="65255"/>
+          <a:stretch/>
+        </p:blipFill>
+        <p:spPr>
+          <a:xfrm>
+            <a:off x="14154416" y="8096827"/>
+            <a:ext cx="2892411" cy="3709940"/>
+          </a:xfrm>
+          <a:prstGeom prst="rect">
+            <a:avLst/>
+          </a:prstGeom>
+        </p:spPr>
+      </p:pic>
+      <p:pic>
+        <p:nvPicPr>
+          <p:cNvPr id="35" name="Picture 34">
+            <a:extLst>
+              <a:ext uri="{FF2B5EF4-FFF2-40B4-BE49-F238E27FC236}">
+                <a16:creationId xmlns:a16="http://schemas.microsoft.com/office/drawing/2014/main" id="{031C7FB9-8923-42FE-B2E1-141171D24F46}"/>
+              </a:ext>
+            </a:extLst>
+          </p:cNvPr>
+          <p:cNvPicPr>
+            <a:picLocks noChangeAspect="1"/>
+          </p:cNvPicPr>
+          <p:nvPr/>
+        </p:nvPicPr>
+        <p:blipFill rotWithShape="1">
+          <a:blip r:embed="rId4">
+            <a:clrChange>
+              <a:clrFrom>
+                <a:srgbClr val="FFFFFF"/>
+              </a:clrFrom>
+              <a:clrTo>
+                <a:srgbClr val="FFFFFF">
+                  <a:alpha val="0"/>
+                </a:srgbClr>
+              </a:clrTo>
+            </a:clrChange>
+          </a:blip>
+          <a:srcRect r="18960"/>
+          <a:stretch/>
+        </p:blipFill>
+        <p:spPr>
+          <a:xfrm>
+            <a:off x="9807943" y="1435336"/>
+            <a:ext cx="7759649" cy="10677756"/>
+          </a:xfrm>
+          <a:prstGeom prst="rect">
+            <a:avLst/>
+          </a:prstGeom>
+        </p:spPr>
+      </p:pic>
+      <p:sp>
+        <p:nvSpPr>
+          <p:cNvPr id="36" name="Rectangle 35">
+            <a:extLst>
+              <a:ext uri="{FF2B5EF4-FFF2-40B4-BE49-F238E27FC236}">
+                <a16:creationId xmlns:a16="http://schemas.microsoft.com/office/drawing/2014/main" id="{92F3AE3E-68F0-48C8-B500-32CA8954D1F9}"/>
+              </a:ext>
+            </a:extLst>
+          </p:cNvPr>
+          <p:cNvSpPr/>
+          <p:nvPr/>
+        </p:nvSpPr>
+        <p:spPr>
+          <a:xfrm>
+            <a:off x="16550640" y="8379229"/>
+            <a:ext cx="1355902" cy="2518756"/>
+          </a:xfrm>
+          <a:prstGeom prst="rect">
+            <a:avLst/>
+          </a:prstGeom>
+          <a:solidFill>
+            <a:schemeClr val="bg1"/>
+          </a:solidFill>
+          <a:ln>
+            <a:noFill/>
+          </a:ln>
+        </p:spPr>
+        <p:style>
+          <a:lnRef idx="2">
+            <a:schemeClr val="accent1">
+              <a:shade val="50000"/>
+            </a:schemeClr>
+          </a:lnRef>
+          <a:fillRef idx="1">
+            <a:schemeClr val="accent1"/>
+          </a:fillRef>
+          <a:effectRef idx="0">
+            <a:schemeClr val="accent1"/>
+          </a:effectRef>
+          <a:fontRef idx="minor">
+            <a:schemeClr val="lt1"/>
+          </a:fontRef>
+        </p:style>
+        <p:txBody>
+          <a:bodyPr rtlCol="0" anchor="ctr"/>
+          <a:lstStyle/>
+          <a:p>
+            <a:pPr algn="ctr"/>
+            <a:endParaRPr lang="en-NL"/>
+          </a:p>
+        </p:txBody>
+      </p:sp>
+      <p:sp>
+        <p:nvSpPr>
+          <p:cNvPr id="37" name="Rectangle: Rounded Corners 36">
+            <a:extLst>
+              <a:ext uri="{FF2B5EF4-FFF2-40B4-BE49-F238E27FC236}">
+                <a16:creationId xmlns:a16="http://schemas.microsoft.com/office/drawing/2014/main" id="{9D661B0B-87C2-4688-B951-E9650B09B34E}"/>
+              </a:ext>
+            </a:extLst>
+          </p:cNvPr>
+          <p:cNvSpPr/>
+          <p:nvPr/>
+        </p:nvSpPr>
+        <p:spPr>
+          <a:xfrm>
+            <a:off x="8825818" y="621871"/>
+            <a:ext cx="8741774" cy="11314219"/>
+          </a:xfrm>
+          <a:prstGeom prst="roundRect">
+            <a:avLst>
+              <a:gd name="adj" fmla="val 5066"/>
+            </a:avLst>
+          </a:prstGeom>
+          <a:noFill/>
+          <a:ln w="6350">
+            <a:solidFill>
+              <a:schemeClr val="tx1"/>
+            </a:solidFill>
+            <a:prstDash val="solid"/>
+          </a:ln>
+        </p:spPr>
+        <p:style>
+          <a:lnRef idx="2">
+            <a:schemeClr val="accent1">
+              <a:shade val="50000"/>
+            </a:schemeClr>
+          </a:lnRef>
+          <a:fillRef idx="1">
+            <a:schemeClr val="accent1"/>
+          </a:fillRef>
+          <a:effectRef idx="0">
+            <a:schemeClr val="accent1"/>
+          </a:effectRef>
+          <a:fontRef idx="minor">
+            <a:schemeClr val="lt1"/>
+          </a:fontRef>
+        </p:style>
+        <p:txBody>
+          <a:bodyPr rtlCol="0" anchor="ctr"/>
+          <a:lstStyle/>
+          <a:p>
+            <a:pPr algn="ctr"/>
+            <a:endParaRPr lang="en-NL" dirty="0"/>
+          </a:p>
+        </p:txBody>
+      </p:sp>
     </p:spTree>
     <p:extLst>
       <p:ext uri="{BB962C8B-B14F-4D97-AF65-F5344CB8AC3E}">
